--- a/docs/高校生へのメッセージ.pptx
+++ b/docs/高校生へのメッセージ.pptx
@@ -7,6 +7,9 @@
   <p:notesMasterIdLst>
     <p:notesMasterId r:id="rId7"/>
   </p:notesMasterIdLst>
+  <p:handoutMasterIdLst>
+    <p:handoutMasterId r:id="rId8"/>
+  </p:handoutMasterIdLst>
   <p:sldIdLst>
     <p:sldId id="261" r:id="rId2"/>
     <p:sldId id="262" r:id="rId3"/>
@@ -15,18 +18,25 @@
     <p:sldId id="265" r:id="rId6"/>
   </p:sldIdLst>
   <p:sldSz cx="9144000" cy="5143500" type="screen16x9"/>
-  <p:notesSz cx="9144000" cy="6858000"/>
+  <p:notesSz cx="10234613" cy="7099300"/>
   <p:embeddedFontLst>
     <p:embeddedFont>
+      <p:font typeface="Calibri" panose="020F0502020204030204" pitchFamily="34" charset="0"/>
+      <p:regular r:id="rId9"/>
+      <p:bold r:id="rId10"/>
+      <p:italic r:id="rId11"/>
+      <p:boldItalic r:id="rId12"/>
+    </p:embeddedFont>
+    <p:embeddedFont>
       <p:font typeface="Century Gothic" panose="020B0502020202020204" pitchFamily="34" charset="0"/>
-      <p:regular r:id="rId8"/>
-      <p:bold r:id="rId9"/>
-      <p:italic r:id="rId10"/>
-      <p:boldItalic r:id="rId11"/>
+      <p:regular r:id="rId13"/>
+      <p:bold r:id="rId14"/>
+      <p:italic r:id="rId15"/>
+      <p:boldItalic r:id="rId16"/>
     </p:embeddedFont>
     <p:embeddedFont>
       <p:font typeface="Wingdings 3" panose="05040102010807070707" pitchFamily="18" charset="2"/>
-      <p:regular r:id="rId12"/>
+      <p:regular r:id="rId17"/>
     </p:embeddedFont>
   </p:embeddedFontLst>
   <p:defaultTextStyle>
@@ -143,6 +153,200 @@
 </p:presentation>
 </file>
 
+<file path=ppt/handoutMasters/handoutMaster1.xml><?xml version="1.0" encoding="utf-8"?>
+<p:handoutMaster xmlns:a="http://schemas.openxmlformats.org/drawingml/2006/main" xmlns:r="http://schemas.openxmlformats.org/officeDocument/2006/relationships" xmlns:p="http://schemas.openxmlformats.org/presentationml/2006/main">
+  <p:cSld>
+    <p:bg>
+      <p:bgRef idx="1001">
+        <a:schemeClr val="bg1"/>
+      </p:bgRef>
+    </p:bg>
+    <p:spTree>
+      <p:nvGrpSpPr>
+        <p:cNvPr id="1" name=""/>
+        <p:cNvGrpSpPr/>
+        <p:nvPr/>
+      </p:nvGrpSpPr>
+      <p:grpSpPr>
+        <a:xfrm>
+          <a:off x="0" y="0"/>
+          <a:ext cx="0" cy="0"/>
+          <a:chOff x="0" y="0"/>
+          <a:chExt cx="0" cy="0"/>
+        </a:xfrm>
+      </p:grpSpPr>
+      <p:sp>
+        <p:nvSpPr>
+          <p:cNvPr id="2" name="ヘッダー プレースホルダー 1">
+            <a:extLst>
+              <a:ext uri="{FF2B5EF4-FFF2-40B4-BE49-F238E27FC236}">
+                <a16:creationId xmlns:a16="http://schemas.microsoft.com/office/drawing/2014/main" id="{78976273-865F-4DEE-BAD6-E2714E9AFA0A}"/>
+              </a:ext>
+            </a:extLst>
+          </p:cNvPr>
+          <p:cNvSpPr>
+            <a:spLocks noGrp="1"/>
+          </p:cNvSpPr>
+          <p:nvPr>
+            <p:ph type="hdr" sz="quarter"/>
+          </p:nvPr>
+        </p:nvSpPr>
+        <p:spPr>
+          <a:xfrm>
+            <a:off x="0" y="0"/>
+            <a:ext cx="4434999" cy="356609"/>
+          </a:xfrm>
+          <a:prstGeom prst="rect">
+            <a:avLst/>
+          </a:prstGeom>
+        </p:spPr>
+        <p:txBody>
+          <a:bodyPr vert="horz" lIns="99048" tIns="49524" rIns="99048" bIns="49524" rtlCol="0"/>
+          <a:lstStyle>
+            <a:lvl1pPr algn="l">
+              <a:defRPr sz="1300"/>
+            </a:lvl1pPr>
+          </a:lstStyle>
+          <a:p>
+            <a:r>
+              <a:rPr lang="ja-JP" altLang="en-US"/>
+              <a:t>　</a:t>
+            </a:r>
+            <a:endParaRPr lang="en-US"/>
+          </a:p>
+        </p:txBody>
+      </p:sp>
+      <p:sp>
+        <p:nvSpPr>
+          <p:cNvPr id="3" name="日付プレースホルダー 2">
+            <a:extLst>
+              <a:ext uri="{FF2B5EF4-FFF2-40B4-BE49-F238E27FC236}">
+                <a16:creationId xmlns:a16="http://schemas.microsoft.com/office/drawing/2014/main" id="{B8B3D82A-6FF2-4AE8-99D9-C6F567A36CC5}"/>
+              </a:ext>
+            </a:extLst>
+          </p:cNvPr>
+          <p:cNvSpPr>
+            <a:spLocks noGrp="1"/>
+          </p:cNvSpPr>
+          <p:nvPr>
+            <p:ph type="dt" sz="quarter" idx="1"/>
+          </p:nvPr>
+        </p:nvSpPr>
+        <p:spPr>
+          <a:xfrm>
+            <a:off x="5797838" y="0"/>
+            <a:ext cx="4434999" cy="356609"/>
+          </a:xfrm>
+          <a:prstGeom prst="rect">
+            <a:avLst/>
+          </a:prstGeom>
+        </p:spPr>
+        <p:txBody>
+          <a:bodyPr vert="horz" lIns="99048" tIns="49524" rIns="99048" bIns="49524" rtlCol="0"/>
+          <a:lstStyle>
+            <a:lvl1pPr algn="r">
+              <a:defRPr sz="1300"/>
+            </a:lvl1pPr>
+          </a:lstStyle>
+          <a:p>
+            <a:fld id="{B2DE2CB9-AE8C-42A2-B14E-7E07BA321FD7}" type="datetimeFigureOut">
+              <a:rPr lang="en-US" smtClean="0"/>
+              <a:t>7/22/2025</a:t>
+            </a:fld>
+            <a:endParaRPr lang="en-US"/>
+          </a:p>
+        </p:txBody>
+      </p:sp>
+      <p:sp>
+        <p:nvSpPr>
+          <p:cNvPr id="4" name="フッター プレースホルダー 3">
+            <a:extLst>
+              <a:ext uri="{FF2B5EF4-FFF2-40B4-BE49-F238E27FC236}">
+                <a16:creationId xmlns:a16="http://schemas.microsoft.com/office/drawing/2014/main" id="{A5BAF2EF-6FB2-402D-9DC6-DB5B61D4CA11}"/>
+              </a:ext>
+            </a:extLst>
+          </p:cNvPr>
+          <p:cNvSpPr>
+            <a:spLocks noGrp="1"/>
+          </p:cNvSpPr>
+          <p:nvPr>
+            <p:ph type="ftr" sz="quarter" idx="2"/>
+          </p:nvPr>
+        </p:nvSpPr>
+        <p:spPr>
+          <a:xfrm>
+            <a:off x="0" y="6742693"/>
+            <a:ext cx="4434999" cy="356608"/>
+          </a:xfrm>
+          <a:prstGeom prst="rect">
+            <a:avLst/>
+          </a:prstGeom>
+        </p:spPr>
+        <p:txBody>
+          <a:bodyPr vert="horz" lIns="99048" tIns="49524" rIns="99048" bIns="49524" rtlCol="0" anchor="b"/>
+          <a:lstStyle>
+            <a:lvl1pPr algn="l">
+              <a:defRPr sz="1300"/>
+            </a:lvl1pPr>
+          </a:lstStyle>
+          <a:p>
+            <a:endParaRPr lang="en-US"/>
+          </a:p>
+        </p:txBody>
+      </p:sp>
+      <p:sp>
+        <p:nvSpPr>
+          <p:cNvPr id="5" name="スライド番号プレースホルダー 4">
+            <a:extLst>
+              <a:ext uri="{FF2B5EF4-FFF2-40B4-BE49-F238E27FC236}">
+                <a16:creationId xmlns:a16="http://schemas.microsoft.com/office/drawing/2014/main" id="{6E47C509-0C6A-4F9C-9842-F159FA7F23C2}"/>
+              </a:ext>
+            </a:extLst>
+          </p:cNvPr>
+          <p:cNvSpPr>
+            <a:spLocks noGrp="1"/>
+          </p:cNvSpPr>
+          <p:nvPr>
+            <p:ph type="sldNum" sz="quarter" idx="3"/>
+          </p:nvPr>
+        </p:nvSpPr>
+        <p:spPr>
+          <a:xfrm>
+            <a:off x="5797838" y="6742693"/>
+            <a:ext cx="4434999" cy="356608"/>
+          </a:xfrm>
+          <a:prstGeom prst="rect">
+            <a:avLst/>
+          </a:prstGeom>
+        </p:spPr>
+        <p:txBody>
+          <a:bodyPr vert="horz" lIns="99048" tIns="49524" rIns="99048" bIns="49524" rtlCol="0" anchor="b"/>
+          <a:lstStyle>
+            <a:lvl1pPr algn="r">
+              <a:defRPr sz="1300"/>
+            </a:lvl1pPr>
+          </a:lstStyle>
+          <a:p>
+            <a:fld id="{8490C489-F093-4908-B506-A46B42234AFE}" type="slidenum">
+              <a:rPr lang="en-US" smtClean="0"/>
+              <a:t>‹#›</a:t>
+            </a:fld>
+            <a:endParaRPr lang="en-US"/>
+          </a:p>
+        </p:txBody>
+      </p:sp>
+    </p:spTree>
+    <p:extLst>
+      <p:ext uri="{BB962C8B-B14F-4D97-AF65-F5344CB8AC3E}">
+        <p14:creationId xmlns:p14="http://schemas.microsoft.com/office/powerpoint/2010/main" val="3850701469"/>
+      </p:ext>
+    </p:extLst>
+  </p:cSld>
+  <p:clrMap bg1="lt1" tx1="dk1" bg2="lt2" tx2="dk2" accent1="accent1" accent2="accent2" accent3="accent3" accent4="accent4" accent5="accent5" accent6="accent6" hlink="hlink" folHlink="folHlink"/>
+  <p:hf sldNum="0" ftr="0" dt="0"/>
+</p:handoutMaster>
+</file>
+
 <file path=ppt/notesMasters/notesMaster1.xml><?xml version="1.0" encoding="utf-8"?>
 <p:notesMaster xmlns:a="http://schemas.openxmlformats.org/drawingml/2006/main" xmlns:r="http://schemas.openxmlformats.org/officeDocument/2006/relationships" xmlns:p="http://schemas.openxmlformats.org/presentationml/2006/main">
   <p:cSld>
@@ -177,8 +381,8 @@
         </p:nvSpPr>
         <p:spPr>
           <a:xfrm>
-            <a:off x="2286000" y="514350"/>
-            <a:ext cx="4572000" cy="2571750"/>
+            <a:off x="2751138" y="531813"/>
+            <a:ext cx="4732337" cy="2662237"/>
           </a:xfrm>
           <a:custGeom>
             <a:avLst/>
@@ -228,8 +432,8 @@
         </p:nvSpPr>
         <p:spPr>
           <a:xfrm>
-            <a:off x="914400" y="3257550"/>
-            <a:ext cx="7315200" cy="3086100"/>
+            <a:off x="1023462" y="3372168"/>
+            <a:ext cx="8187690" cy="3194685"/>
           </a:xfrm>
           <a:prstGeom prst="rect">
             <a:avLst/>
@@ -240,7 +444,7 @@
           </a:ln>
         </p:spPr>
         <p:txBody>
-          <a:bodyPr spcFirstLastPara="1" wrap="square" lIns="91425" tIns="91425" rIns="91425" bIns="91425" anchor="t" anchorCtr="0">
+          <a:bodyPr spcFirstLastPara="1" wrap="square" lIns="99032" tIns="99032" rIns="99032" bIns="99032" anchor="t" anchorCtr="0">
             <a:noAutofit/>
           </a:bodyPr>
           <a:lstStyle>
@@ -352,6 +556,7 @@
     </p:spTree>
   </p:cSld>
   <p:clrMap bg1="lt1" tx1="dk1" bg2="dk2" tx2="lt2" accent1="accent1" accent2="accent2" accent3="accent3" accent4="accent4" accent5="accent5" accent6="accent6" hlink="hlink" folHlink="folHlink"/>
+  <p:hf sldNum="0" ftr="0" dt="0"/>
   <p:notesStyle>
     <a:defPPr marR="0" lvl="0" algn="l" rtl="0">
       <a:lnSpc>
@@ -613,8 +818,8 @@
         </p:nvSpPr>
         <p:spPr>
           <a:xfrm>
-            <a:off x="2286000" y="514350"/>
-            <a:ext cx="4572000" cy="2571750"/>
+            <a:off x="2751138" y="531813"/>
+            <a:ext cx="4732337" cy="2662237"/>
           </a:xfrm>
           <a:custGeom>
             <a:avLst/>
@@ -654,26 +859,20 @@
         </p:nvSpPr>
         <p:spPr>
           <a:xfrm>
-            <a:off x="914400" y="3257550"/>
-            <a:ext cx="7315200" cy="3086100"/>
+            <a:off x="1023462" y="3372168"/>
+            <a:ext cx="8187690" cy="3194685"/>
           </a:xfrm>
           <a:prstGeom prst="rect">
             <a:avLst/>
           </a:prstGeom>
         </p:spPr>
         <p:txBody>
-          <a:bodyPr spcFirstLastPara="1" wrap="square" lIns="91425" tIns="91425" rIns="91425" bIns="91425" anchor="t" anchorCtr="0">
+          <a:bodyPr spcFirstLastPara="1" wrap="square" lIns="99032" tIns="99032" rIns="99032" bIns="99032" anchor="t" anchorCtr="0">
             <a:noAutofit/>
           </a:bodyPr>
           <a:lstStyle/>
           <a:p>
-            <a:pPr marL="0" lvl="0" indent="0" algn="l" rtl="0">
-              <a:spcBef>
-                <a:spcPts val="0"/>
-              </a:spcBef>
-              <a:spcAft>
-                <a:spcPts val="0"/>
-              </a:spcAft>
+            <a:pPr marL="0" indent="0">
               <a:buNone/>
             </a:pPr>
             <a:endParaRPr/>
@@ -722,8 +921,8 @@
         </p:nvSpPr>
         <p:spPr>
           <a:xfrm>
-            <a:off x="2286000" y="514350"/>
-            <a:ext cx="4572000" cy="2571750"/>
+            <a:off x="2751138" y="531813"/>
+            <a:ext cx="4732337" cy="2662237"/>
           </a:xfrm>
           <a:custGeom>
             <a:avLst/>
@@ -763,26 +962,20 @@
         </p:nvSpPr>
         <p:spPr>
           <a:xfrm>
-            <a:off x="914400" y="3257550"/>
-            <a:ext cx="7315200" cy="3086100"/>
+            <a:off x="1023462" y="3372168"/>
+            <a:ext cx="8187690" cy="3194685"/>
           </a:xfrm>
           <a:prstGeom prst="rect">
             <a:avLst/>
           </a:prstGeom>
         </p:spPr>
         <p:txBody>
-          <a:bodyPr spcFirstLastPara="1" wrap="square" lIns="91425" tIns="91425" rIns="91425" bIns="91425" anchor="t" anchorCtr="0">
+          <a:bodyPr spcFirstLastPara="1" wrap="square" lIns="99032" tIns="99032" rIns="99032" bIns="99032" anchor="t" anchorCtr="0">
             <a:noAutofit/>
           </a:bodyPr>
           <a:lstStyle/>
           <a:p>
-            <a:pPr marL="0" lvl="0" indent="0" algn="l" rtl="0">
-              <a:spcBef>
-                <a:spcPts val="0"/>
-              </a:spcBef>
-              <a:spcAft>
-                <a:spcPts val="0"/>
-              </a:spcAft>
+            <a:pPr marL="0" indent="0">
               <a:buNone/>
             </a:pPr>
             <a:endParaRPr/>
@@ -831,8 +1024,8 @@
         </p:nvSpPr>
         <p:spPr>
           <a:xfrm>
-            <a:off x="2286000" y="514350"/>
-            <a:ext cx="4572000" cy="2571750"/>
+            <a:off x="2751138" y="531813"/>
+            <a:ext cx="4732337" cy="2662237"/>
           </a:xfrm>
           <a:custGeom>
             <a:avLst/>
@@ -872,26 +1065,20 @@
         </p:nvSpPr>
         <p:spPr>
           <a:xfrm>
-            <a:off x="914400" y="3257550"/>
-            <a:ext cx="7315200" cy="3086100"/>
+            <a:off x="1023462" y="3372168"/>
+            <a:ext cx="8187690" cy="3194685"/>
           </a:xfrm>
           <a:prstGeom prst="rect">
             <a:avLst/>
           </a:prstGeom>
         </p:spPr>
         <p:txBody>
-          <a:bodyPr spcFirstLastPara="1" wrap="square" lIns="91425" tIns="91425" rIns="91425" bIns="91425" anchor="t" anchorCtr="0">
+          <a:bodyPr spcFirstLastPara="1" wrap="square" lIns="99032" tIns="99032" rIns="99032" bIns="99032" anchor="t" anchorCtr="0">
             <a:noAutofit/>
           </a:bodyPr>
           <a:lstStyle/>
           <a:p>
-            <a:pPr marL="0" lvl="0" indent="0" algn="l" rtl="0">
-              <a:spcBef>
-                <a:spcPts val="0"/>
-              </a:spcBef>
-              <a:spcAft>
-                <a:spcPts val="0"/>
-              </a:spcAft>
+            <a:pPr marL="0" indent="0">
               <a:buNone/>
             </a:pPr>
             <a:endParaRPr/>
@@ -940,8 +1127,8 @@
         </p:nvSpPr>
         <p:spPr>
           <a:xfrm>
-            <a:off x="2286000" y="514350"/>
-            <a:ext cx="4572000" cy="2571750"/>
+            <a:off x="2751138" y="531813"/>
+            <a:ext cx="4732337" cy="2662237"/>
           </a:xfrm>
           <a:custGeom>
             <a:avLst/>
@@ -981,26 +1168,20 @@
         </p:nvSpPr>
         <p:spPr>
           <a:xfrm>
-            <a:off x="914400" y="3257550"/>
-            <a:ext cx="7315200" cy="3086100"/>
+            <a:off x="1023462" y="3372168"/>
+            <a:ext cx="8187690" cy="3194685"/>
           </a:xfrm>
           <a:prstGeom prst="rect">
             <a:avLst/>
           </a:prstGeom>
         </p:spPr>
         <p:txBody>
-          <a:bodyPr spcFirstLastPara="1" wrap="square" lIns="91425" tIns="91425" rIns="91425" bIns="91425" anchor="t" anchorCtr="0">
+          <a:bodyPr spcFirstLastPara="1" wrap="square" lIns="99032" tIns="99032" rIns="99032" bIns="99032" anchor="t" anchorCtr="0">
             <a:noAutofit/>
           </a:bodyPr>
           <a:lstStyle/>
           <a:p>
-            <a:pPr marL="0" lvl="0" indent="0" algn="l" rtl="0">
-              <a:spcBef>
-                <a:spcPts val="0"/>
-              </a:spcBef>
-              <a:spcAft>
-                <a:spcPts val="0"/>
-              </a:spcAft>
+            <a:pPr marL="0" indent="0">
               <a:buNone/>
             </a:pPr>
             <a:endParaRPr/>
@@ -1049,8 +1230,8 @@
         </p:nvSpPr>
         <p:spPr>
           <a:xfrm>
-            <a:off x="2286000" y="514350"/>
-            <a:ext cx="4572000" cy="2571750"/>
+            <a:off x="2751138" y="531813"/>
+            <a:ext cx="4732337" cy="2662237"/>
           </a:xfrm>
           <a:custGeom>
             <a:avLst/>
@@ -1090,26 +1271,20 @@
         </p:nvSpPr>
         <p:spPr>
           <a:xfrm>
-            <a:off x="914400" y="3257550"/>
-            <a:ext cx="7315200" cy="3086100"/>
+            <a:off x="1023462" y="3372168"/>
+            <a:ext cx="8187690" cy="3194685"/>
           </a:xfrm>
           <a:prstGeom prst="rect">
             <a:avLst/>
           </a:prstGeom>
         </p:spPr>
         <p:txBody>
-          <a:bodyPr spcFirstLastPara="1" wrap="square" lIns="91425" tIns="91425" rIns="91425" bIns="91425" anchor="t" anchorCtr="0">
+          <a:bodyPr spcFirstLastPara="1" wrap="square" lIns="99032" tIns="99032" rIns="99032" bIns="99032" anchor="t" anchorCtr="0">
             <a:noAutofit/>
           </a:bodyPr>
           <a:lstStyle/>
           <a:p>
-            <a:pPr marL="0" lvl="0" indent="0" algn="l" rtl="0">
-              <a:spcBef>
-                <a:spcPts val="0"/>
-              </a:spcBef>
-              <a:spcAft>
-                <a:spcPts val="0"/>
-              </a:spcAft>
+            <a:pPr marL="0" indent="0">
               <a:buNone/>
             </a:pPr>
             <a:endParaRPr/>
@@ -1315,11 +1490,10 @@
           <a:bodyPr/>
           <a:lstStyle/>
           <a:p>
-            <a:fld id="{B61BEF0D-F0BB-DE4B-95CE-6DB70DBA9567}" type="datetimeFigureOut">
-              <a:rPr lang="en-US" smtClean="0"/>
-              <a:pPr/>
-              <a:t>7/28/2023</a:t>
-            </a:fld>
+            <a:r>
+              <a:rPr lang="en-US"/>
+              <a:t>7/22/2025</a:t>
+            </a:r>
             <a:endParaRPr lang="en-US" dirty="0"/>
           </a:p>
         </p:txBody>
@@ -1464,7 +1638,6 @@
   <p:clrMapOvr>
     <a:masterClrMapping/>
   </p:clrMapOvr>
-  <p:hf sldNum="0" hdr="0" ftr="0" dt="0"/>
 </p:sldLayout>
 </file>
 
@@ -1656,11 +1829,10 @@
           <a:bodyPr/>
           <a:lstStyle/>
           <a:p>
-            <a:fld id="{B61BEF0D-F0BB-DE4B-95CE-6DB70DBA9567}" type="datetimeFigureOut">
-              <a:rPr lang="en-US" smtClean="0"/>
-              <a:pPr/>
-              <a:t>7/28/2023</a:t>
-            </a:fld>
+            <a:r>
+              <a:rPr lang="en-US"/>
+              <a:t>7/22/2025</a:t>
+            </a:r>
             <a:endParaRPr lang="en-US" dirty="0"/>
           </a:p>
         </p:txBody>
@@ -1805,7 +1977,6 @@
   <p:clrMapOvr>
     <a:masterClrMapping/>
   </p:clrMapOvr>
-  <p:hf sldNum="0" hdr="0" ftr="0" dt="0"/>
 </p:sldLayout>
 </file>
 
@@ -2060,11 +2231,10 @@
           <a:bodyPr/>
           <a:lstStyle/>
           <a:p>
-            <a:fld id="{B61BEF0D-F0BB-DE4B-95CE-6DB70DBA9567}" type="datetimeFigureOut">
-              <a:rPr lang="en-US" smtClean="0"/>
-              <a:pPr/>
-              <a:t>7/28/2023</a:t>
-            </a:fld>
+            <a:r>
+              <a:rPr lang="en-US"/>
+              <a:t>7/22/2025</a:t>
+            </a:r>
             <a:endParaRPr lang="en-US" dirty="0"/>
           </a:p>
         </p:txBody>
@@ -2285,7 +2455,6 @@
   <p:clrMapOvr>
     <a:masterClrMapping/>
   </p:clrMapOvr>
-  <p:hf sldNum="0" hdr="0" ftr="0" dt="0"/>
 </p:sldLayout>
 </file>
 
@@ -2399,11 +2568,10 @@
           <a:bodyPr/>
           <a:lstStyle/>
           <a:p>
-            <a:fld id="{B61BEF0D-F0BB-DE4B-95CE-6DB70DBA9567}" type="datetimeFigureOut">
-              <a:rPr lang="en-US" smtClean="0"/>
-              <a:pPr/>
-              <a:t>7/28/2023</a:t>
-            </a:fld>
+            <a:r>
+              <a:rPr lang="en-US"/>
+              <a:t>7/22/2025</a:t>
+            </a:r>
             <a:endParaRPr lang="en-US" dirty="0"/>
           </a:p>
         </p:txBody>
@@ -2548,7 +2716,6 @@
   <p:clrMapOvr>
     <a:masterClrMapping/>
   </p:clrMapOvr>
-  <p:hf sldNum="0" hdr="0" ftr="0" dt="0"/>
 </p:sldLayout>
 </file>
 
@@ -2722,11 +2889,10 @@
           <a:bodyPr/>
           <a:lstStyle/>
           <a:p>
-            <a:fld id="{B61BEF0D-F0BB-DE4B-95CE-6DB70DBA9567}" type="datetimeFigureOut">
-              <a:rPr lang="en-US" smtClean="0"/>
-              <a:pPr/>
-              <a:t>7/28/2023</a:t>
-            </a:fld>
+            <a:r>
+              <a:rPr lang="en-US"/>
+              <a:t>7/22/2025</a:t>
+            </a:r>
             <a:endParaRPr lang="en-US" dirty="0"/>
           </a:p>
         </p:txBody>
@@ -2947,7 +3113,6 @@
   <p:clrMapOvr>
     <a:masterClrMapping/>
   </p:clrMapOvr>
-  <p:hf sldNum="0" hdr="0" ftr="0" dt="0"/>
 </p:sldLayout>
 </file>
 
@@ -3121,11 +3286,10 @@
           <a:bodyPr/>
           <a:lstStyle/>
           <a:p>
-            <a:fld id="{B61BEF0D-F0BB-DE4B-95CE-6DB70DBA9567}" type="datetimeFigureOut">
-              <a:rPr lang="en-US" smtClean="0"/>
-              <a:pPr/>
-              <a:t>7/28/2023</a:t>
-            </a:fld>
+            <a:r>
+              <a:rPr lang="en-US"/>
+              <a:t>7/22/2025</a:t>
+            </a:r>
             <a:endParaRPr lang="en-US" dirty="0"/>
           </a:p>
         </p:txBody>
@@ -3270,7 +3434,6 @@
   <p:clrMapOvr>
     <a:masterClrMapping/>
   </p:clrMapOvr>
-  <p:hf sldNum="0" hdr="0" ftr="0" dt="0"/>
 </p:sldLayout>
 </file>
 
@@ -3413,11 +3576,10 @@
           <a:bodyPr/>
           <a:lstStyle/>
           <a:p>
-            <a:fld id="{B61BEF0D-F0BB-DE4B-95CE-6DB70DBA9567}" type="datetimeFigureOut">
-              <a:rPr lang="en-US" smtClean="0"/>
-              <a:pPr/>
-              <a:t>7/28/2023</a:t>
-            </a:fld>
+            <a:r>
+              <a:rPr lang="en-US"/>
+              <a:t>7/22/2025</a:t>
+            </a:r>
             <a:endParaRPr lang="en-US" dirty="0"/>
           </a:p>
         </p:txBody>
@@ -3557,7 +3719,6 @@
   <p:clrMapOvr>
     <a:masterClrMapping/>
   </p:clrMapOvr>
-  <p:hf sldNum="0" hdr="0" ftr="0" dt="0"/>
 </p:sldLayout>
 </file>
 
@@ -3710,11 +3871,10 @@
           <a:bodyPr/>
           <a:lstStyle/>
           <a:p>
-            <a:fld id="{B61BEF0D-F0BB-DE4B-95CE-6DB70DBA9567}" type="datetimeFigureOut">
-              <a:rPr lang="en-US" smtClean="0"/>
-              <a:pPr/>
-              <a:t>7/28/2023</a:t>
-            </a:fld>
+            <a:r>
+              <a:rPr lang="en-US"/>
+              <a:t>7/22/2025</a:t>
+            </a:r>
             <a:endParaRPr lang="en-US" dirty="0"/>
           </a:p>
         </p:txBody>
@@ -3854,7 +4014,6 @@
   <p:clrMapOvr>
     <a:masterClrMapping/>
   </p:clrMapOvr>
-  <p:hf sldNum="0" hdr="0" ftr="0" dt="0"/>
 </p:sldLayout>
 </file>
 
@@ -4007,11 +4166,10 @@
           <a:bodyPr/>
           <a:lstStyle/>
           <a:p>
-            <a:fld id="{B61BEF0D-F0BB-DE4B-95CE-6DB70DBA9567}" type="datetimeFigureOut">
-              <a:rPr lang="en-US" smtClean="0"/>
-              <a:pPr/>
-              <a:t>7/28/2023</a:t>
-            </a:fld>
+            <a:r>
+              <a:rPr lang="en-US"/>
+              <a:t>7/22/2025</a:t>
+            </a:r>
             <a:endParaRPr lang="en-US" dirty="0"/>
           </a:p>
         </p:txBody>
@@ -4151,7 +4309,6 @@
   <p:clrMapOvr>
     <a:masterClrMapping/>
   </p:clrMapOvr>
-  <p:hf sldNum="0" hdr="0" ftr="0" dt="0"/>
 </p:sldLayout>
 </file>
 
@@ -4339,11 +4496,10 @@
           <a:bodyPr/>
           <a:lstStyle/>
           <a:p>
-            <a:fld id="{B61BEF0D-F0BB-DE4B-95CE-6DB70DBA9567}" type="datetimeFigureOut">
-              <a:rPr lang="en-US" smtClean="0"/>
-              <a:pPr/>
-              <a:t>7/28/2023</a:t>
-            </a:fld>
+            <a:r>
+              <a:rPr lang="en-US"/>
+              <a:t>7/22/2025</a:t>
+            </a:r>
             <a:endParaRPr lang="en-US" dirty="0"/>
           </a:p>
         </p:txBody>
@@ -4488,7 +4644,6 @@
   <p:clrMapOvr>
     <a:masterClrMapping/>
   </p:clrMapOvr>
-  <p:hf sldNum="0" hdr="0" ftr="0" dt="0"/>
 </p:sldLayout>
 </file>
 
@@ -4729,11 +4884,10 @@
           <a:bodyPr/>
           <a:lstStyle/>
           <a:p>
-            <a:fld id="{B61BEF0D-F0BB-DE4B-95CE-6DB70DBA9567}" type="datetimeFigureOut">
-              <a:rPr lang="en-US" smtClean="0"/>
-              <a:pPr/>
-              <a:t>7/28/2023</a:t>
-            </a:fld>
+            <a:r>
+              <a:rPr lang="en-US"/>
+              <a:t>7/22/2025</a:t>
+            </a:r>
             <a:endParaRPr lang="en-US" dirty="0"/>
           </a:p>
         </p:txBody>
@@ -4878,7 +5032,6 @@
   <p:clrMapOvr>
     <a:masterClrMapping/>
   </p:clrMapOvr>
-  <p:hf sldNum="0" hdr="0" ftr="0" dt="0"/>
 </p:sldLayout>
 </file>
 
@@ -5253,11 +5406,10 @@
           <a:bodyPr/>
           <a:lstStyle/>
           <a:p>
-            <a:fld id="{B61BEF0D-F0BB-DE4B-95CE-6DB70DBA9567}" type="datetimeFigureOut">
-              <a:rPr lang="en-US" smtClean="0"/>
-              <a:pPr/>
-              <a:t>7/28/2023</a:t>
-            </a:fld>
+            <a:r>
+              <a:rPr lang="en-US"/>
+              <a:t>7/22/2025</a:t>
+            </a:r>
             <a:endParaRPr lang="en-US" dirty="0"/>
           </a:p>
         </p:txBody>
@@ -5402,7 +5554,6 @@
   <p:clrMapOvr>
     <a:masterClrMapping/>
   </p:clrMapOvr>
-  <p:hf sldNum="0" hdr="0" ftr="0" dt="0"/>
 </p:sldLayout>
 </file>
 
@@ -5461,11 +5612,10 @@
           <a:bodyPr/>
           <a:lstStyle/>
           <a:p>
-            <a:fld id="{B61BEF0D-F0BB-DE4B-95CE-6DB70DBA9567}" type="datetimeFigureOut">
-              <a:rPr lang="en-US" smtClean="0"/>
-              <a:pPr/>
-              <a:t>7/28/2023</a:t>
-            </a:fld>
+            <a:r>
+              <a:rPr lang="en-US"/>
+              <a:t>7/22/2025</a:t>
+            </a:r>
             <a:endParaRPr lang="en-US" dirty="0"/>
           </a:p>
         </p:txBody>
@@ -5605,7 +5755,6 @@
   <p:clrMapOvr>
     <a:masterClrMapping/>
   </p:clrMapOvr>
-  <p:hf sldNum="0" hdr="0" ftr="0" dt="0"/>
 </p:sldLayout>
 </file>
 
@@ -5641,11 +5790,10 @@
           <a:bodyPr/>
           <a:lstStyle/>
           <a:p>
-            <a:fld id="{B61BEF0D-F0BB-DE4B-95CE-6DB70DBA9567}" type="datetimeFigureOut">
-              <a:rPr lang="en-US" smtClean="0"/>
-              <a:pPr/>
-              <a:t>7/28/2023</a:t>
-            </a:fld>
+            <a:r>
+              <a:rPr lang="en-US"/>
+              <a:t>7/22/2025</a:t>
+            </a:r>
             <a:endParaRPr lang="en-US" dirty="0"/>
           </a:p>
         </p:txBody>
@@ -5785,7 +5933,6 @@
   <p:clrMapOvr>
     <a:masterClrMapping/>
   </p:clrMapOvr>
-  <p:hf sldNum="0" hdr="0" ftr="0" dt="0"/>
 </p:sldLayout>
 </file>
 
@@ -6009,11 +6156,10 @@
           <a:bodyPr/>
           <a:lstStyle/>
           <a:p>
-            <a:fld id="{B61BEF0D-F0BB-DE4B-95CE-6DB70DBA9567}" type="datetimeFigureOut">
-              <a:rPr lang="en-US" smtClean="0"/>
-              <a:pPr/>
-              <a:t>7/28/2023</a:t>
-            </a:fld>
+            <a:r>
+              <a:rPr lang="en-US"/>
+              <a:t>7/22/2025</a:t>
+            </a:r>
             <a:endParaRPr lang="en-US" dirty="0"/>
           </a:p>
         </p:txBody>
@@ -6153,7 +6299,6 @@
   <p:clrMapOvr>
     <a:masterClrMapping/>
   </p:clrMapOvr>
-  <p:hf sldNum="0" hdr="0" ftr="0" dt="0"/>
 </p:sldLayout>
 </file>
 
@@ -6357,11 +6502,10 @@
           <a:bodyPr/>
           <a:lstStyle/>
           <a:p>
-            <a:fld id="{B61BEF0D-F0BB-DE4B-95CE-6DB70DBA9567}" type="datetimeFigureOut">
-              <a:rPr lang="en-US" smtClean="0"/>
-              <a:pPr/>
-              <a:t>7/28/2023</a:t>
-            </a:fld>
+            <a:r>
+              <a:rPr lang="en-US"/>
+              <a:t>7/22/2025</a:t>
+            </a:r>
             <a:endParaRPr lang="en-US" dirty="0"/>
           </a:p>
         </p:txBody>
@@ -6506,7 +6650,6 @@
   <p:clrMapOvr>
     <a:masterClrMapping/>
   </p:clrMapOvr>
-  <p:hf sldNum="0" hdr="0" ftr="0" dt="0"/>
 </p:sldLayout>
 </file>
 
@@ -8509,11 +8652,10 @@
             </a:lvl1pPr>
           </a:lstStyle>
           <a:p>
-            <a:fld id="{B61BEF0D-F0BB-DE4B-95CE-6DB70DBA9567}" type="datetimeFigureOut">
-              <a:rPr lang="en-US" smtClean="0"/>
-              <a:pPr/>
-              <a:t>7/28/2023</a:t>
-            </a:fld>
+            <a:r>
+              <a:rPr lang="en-US"/>
+              <a:t>7/22/2025</a:t>
+            </a:r>
             <a:endParaRPr lang="en-US" dirty="0"/>
           </a:p>
         </p:txBody>
@@ -8621,7 +8763,7 @@
     <p:sldLayoutId id="2147484036" r:id="rId15"/>
     <p:sldLayoutId id="2147484037" r:id="rId16"/>
   </p:sldLayoutIdLst>
-  <p:hf sldNum="0" hdr="0" ftr="0" dt="0"/>
+  <p:hf sldNum="0" hdr="0" ftr="0"/>
   <p:txStyles>
     <p:titleStyle>
       <a:lvl1pPr algn="l" defTabSz="342900" rtl="0" eaLnBrk="1" latinLnBrk="0" hangingPunct="1">
@@ -9106,6 +9248,35 @@
           </a:p>
         </p:txBody>
       </p:sp>
+      <p:sp>
+        <p:nvSpPr>
+          <p:cNvPr id="2" name="日付プレースホルダー 1">
+            <a:extLst>
+              <a:ext uri="{FF2B5EF4-FFF2-40B4-BE49-F238E27FC236}">
+                <a16:creationId xmlns:a16="http://schemas.microsoft.com/office/drawing/2014/main" id="{9536C2F2-D5E5-4E48-8F7A-D498C7FA16A1}"/>
+              </a:ext>
+            </a:extLst>
+          </p:cNvPr>
+          <p:cNvSpPr>
+            <a:spLocks noGrp="1"/>
+          </p:cNvSpPr>
+          <p:nvPr>
+            <p:ph type="dt" sz="half" idx="10"/>
+          </p:nvPr>
+        </p:nvSpPr>
+        <p:spPr/>
+        <p:txBody>
+          <a:bodyPr/>
+          <a:lstStyle/>
+          <a:p>
+            <a:r>
+              <a:rPr lang="en-US"/>
+              <a:t>7/22/2025</a:t>
+            </a:r>
+            <a:endParaRPr lang="en-US" dirty="0"/>
+          </a:p>
+        </p:txBody>
+      </p:sp>
     </p:spTree>
     <p:extLst>
       <p:ext uri="{BB962C8B-B14F-4D97-AF65-F5344CB8AC3E}">
@@ -9179,7 +9350,7 @@
         <p:spPr>
           <a:xfrm>
             <a:off x="1941909" y="1055986"/>
-            <a:ext cx="6686550" cy="3619432"/>
+            <a:ext cx="6852006" cy="3619432"/>
           </a:xfrm>
         </p:spPr>
         <p:txBody>
@@ -9206,7 +9377,15 @@
             </a:pPr>
             <a:r>
               <a:rPr lang="ja-JP" altLang="en-US" dirty="0"/>
-              <a:t>それでも，難しく感じて，途方に暮れるかもしれません．</a:t>
+              <a:t>それでも</a:t>
+            </a:r>
+            <a:r>
+              <a:rPr lang="ja-JP" altLang="en-US"/>
+              <a:t>，難しく感じて</a:t>
+            </a:r>
+            <a:r>
+              <a:rPr lang="ja-JP" altLang="en-US" dirty="0"/>
+              <a:t>，途方に暮れるかも？</a:t>
             </a:r>
           </a:p>
           <a:p>
@@ -9217,7 +9396,7 @@
             </a:pPr>
             <a:r>
               <a:rPr lang="ja-JP" altLang="en-US" dirty="0"/>
-              <a:t>習ってないのに，できるわけないし・・・</a:t>
+              <a:t>習ってねーのに，できるわけねーし・・・</a:t>
             </a:r>
           </a:p>
           <a:p>
@@ -9228,7 +9407,7 @@
             </a:pPr>
             <a:r>
               <a:rPr lang="ja-JP" altLang="en-US" dirty="0"/>
-              <a:t>これは，実は，皆さんだけではありません！</a:t>
+              <a:t>実はこれは，皆さんだけではありません！</a:t>
             </a:r>
           </a:p>
           <a:p>
@@ -9239,7 +9418,7 @@
             </a:pPr>
             <a:r>
               <a:rPr lang="ja-JP" altLang="en-US" dirty="0"/>
-              <a:t>大学生は卒業研究で，研究者は仕事で，同じ状況になります．</a:t>
+              <a:t>大学生は卒業研究で，研究者は仕事で，同じ状況になります（笑）</a:t>
             </a:r>
           </a:p>
           <a:p>
@@ -9252,6 +9431,35 @@
               <a:rPr lang="ja-JP" altLang="en-US" dirty="0"/>
               <a:t>せっかくなので，体験して，対処法を身につけましょう．</a:t>
             </a:r>
+          </a:p>
+        </p:txBody>
+      </p:sp>
+      <p:sp>
+        <p:nvSpPr>
+          <p:cNvPr id="2" name="日付プレースホルダー 1">
+            <a:extLst>
+              <a:ext uri="{FF2B5EF4-FFF2-40B4-BE49-F238E27FC236}">
+                <a16:creationId xmlns:a16="http://schemas.microsoft.com/office/drawing/2014/main" id="{647AC78E-8765-4F13-BC53-D8417AE1468B}"/>
+              </a:ext>
+            </a:extLst>
+          </p:cNvPr>
+          <p:cNvSpPr>
+            <a:spLocks noGrp="1"/>
+          </p:cNvSpPr>
+          <p:nvPr>
+            <p:ph type="dt" sz="half" idx="10"/>
+          </p:nvPr>
+        </p:nvSpPr>
+        <p:spPr/>
+        <p:txBody>
+          <a:bodyPr/>
+          <a:lstStyle/>
+          <a:p>
+            <a:r>
+              <a:rPr lang="en-US"/>
+              <a:t>7/22/2025</a:t>
+            </a:r>
+            <a:endParaRPr lang="en-US" dirty="0"/>
           </a:p>
         </p:txBody>
       </p:sp>
@@ -9457,6 +9665,35 @@
           </a:p>
         </p:txBody>
       </p:sp>
+      <p:sp>
+        <p:nvSpPr>
+          <p:cNvPr id="2" name="日付プレースホルダー 1">
+            <a:extLst>
+              <a:ext uri="{FF2B5EF4-FFF2-40B4-BE49-F238E27FC236}">
+                <a16:creationId xmlns:a16="http://schemas.microsoft.com/office/drawing/2014/main" id="{5303B725-099D-4574-95FA-DABE90DC11A2}"/>
+              </a:ext>
+            </a:extLst>
+          </p:cNvPr>
+          <p:cNvSpPr>
+            <a:spLocks noGrp="1"/>
+          </p:cNvSpPr>
+          <p:nvPr>
+            <p:ph type="dt" sz="half" idx="10"/>
+          </p:nvPr>
+        </p:nvSpPr>
+        <p:spPr/>
+        <p:txBody>
+          <a:bodyPr/>
+          <a:lstStyle/>
+          <a:p>
+            <a:r>
+              <a:rPr lang="en-US"/>
+              <a:t>7/22/2025</a:t>
+            </a:r>
+            <a:endParaRPr lang="en-US" dirty="0"/>
+          </a:p>
+        </p:txBody>
+      </p:sp>
     </p:spTree>
     <p:extLst>
       <p:ext uri="{BB962C8B-B14F-4D97-AF65-F5344CB8AC3E}">
@@ -9605,7 +9842,7 @@
             </a:pPr>
             <a:r>
               <a:rPr lang="ja-JP" altLang="en-US" dirty="0"/>
-              <a:t>典型的な作業方法：</a:t>
+              <a:t>効果的な作業方法：</a:t>
             </a:r>
           </a:p>
           <a:p>
@@ -9633,15 +9870,11 @@
                   <a:srgbClr val="FF0000"/>
                 </a:solidFill>
               </a:rPr>
-              <a:t>できないことを，ノートに書く </a:t>
-            </a:r>
-            <a:r>
-              <a:rPr lang="en-US" altLang="ja-JP" dirty="0">
-                <a:solidFill>
-                  <a:srgbClr val="FF0000"/>
-                </a:solidFill>
-              </a:rPr>
-              <a:t>/ </a:t>
+              <a:t>できないこと</a:t>
+            </a:r>
+            <a:r>
+              <a:rPr lang="ja-JP" altLang="en-US" dirty="0"/>
+              <a:t>を，</a:t>
             </a:r>
             <a:r>
               <a:rPr lang="ja-JP" altLang="en-US" dirty="0">
@@ -9649,21 +9882,27 @@
                   <a:srgbClr val="FF0000"/>
                 </a:solidFill>
               </a:rPr>
-              <a:t>描く</a:t>
+              <a:t>ノート</a:t>
             </a:r>
             <a:r>
               <a:rPr lang="ja-JP" altLang="en-US" dirty="0"/>
-              <a:t>．</a:t>
-            </a:r>
-          </a:p>
-          <a:p>
-            <a:pPr marL="685800" lvl="1" indent="-342900">
-              <a:buFont typeface="+mj-ea"/>
-              <a:buAutoNum type="circleNumDbPlain"/>
-            </a:pPr>
+              <a:t>に書く </a:t>
+            </a:r>
+            <a:r>
+              <a:rPr lang="en-US" altLang="ja-JP" dirty="0"/>
+              <a:t>/ </a:t>
+            </a:r>
             <a:r>
               <a:rPr lang="ja-JP" altLang="en-US" dirty="0"/>
-              <a:t>先生に見せて，手順・方法より，</a:t>
+              <a:t>描く．</a:t>
+            </a:r>
+            <a:r>
+              <a:rPr lang="en-US" altLang="ja-JP" dirty="0">
+                <a:solidFill>
+                  <a:schemeClr val="tx1"/>
+                </a:solidFill>
+              </a:rPr>
+              <a:t>	</a:t>
             </a:r>
             <a:r>
               <a:rPr lang="ja-JP" altLang="en-US" dirty="0">
@@ -9671,7 +9910,43 @@
                   <a:srgbClr val="FF0000"/>
                 </a:solidFill>
               </a:rPr>
-              <a:t>アイデアを聞く</a:t>
+              <a:t>←これ</a:t>
+            </a:r>
+            <a:endParaRPr lang="en-US" altLang="ja-JP" dirty="0">
+              <a:solidFill>
+                <a:srgbClr val="FF0000"/>
+              </a:solidFill>
+            </a:endParaRPr>
+          </a:p>
+          <a:p>
+            <a:pPr marL="642937" lvl="2" indent="0">
+              <a:buNone/>
+            </a:pPr>
+            <a:r>
+              <a:rPr lang="en-US" altLang="ja-JP" dirty="0"/>
+              <a:t>※</a:t>
+            </a:r>
+            <a:r>
+              <a:rPr lang="ja-JP" altLang="en-US" dirty="0"/>
+              <a:t>できたことだけ，ノートに書く人が多いが，肝心な情報量ゼロ．</a:t>
+            </a:r>
+          </a:p>
+          <a:p>
+            <a:pPr marL="685800" lvl="1" indent="-342900">
+              <a:buFont typeface="+mj-ea"/>
+              <a:buAutoNum type="circleNumDbPlain"/>
+            </a:pPr>
+            <a:r>
+              <a:rPr lang="ja-JP" altLang="en-US" dirty="0"/>
+              <a:t>先生に見せて，具体的手順より，</a:t>
+            </a:r>
+            <a:r>
+              <a:rPr lang="ja-JP" altLang="en-US" dirty="0">
+                <a:solidFill>
+                  <a:srgbClr val="FF0000"/>
+                </a:solidFill>
+              </a:rPr>
+              <a:t>まずアイデアを聞く</a:t>
             </a:r>
             <a:r>
               <a:rPr lang="ja-JP" altLang="en-US" dirty="0">
@@ -9687,7 +9962,7 @@
                   <a:schemeClr val="tx1"/>
                 </a:solidFill>
               </a:rPr>
-              <a:t>		</a:t>
+              <a:t>	</a:t>
             </a:r>
             <a:r>
               <a:rPr lang="ja-JP" altLang="en-US" dirty="0">
@@ -9717,6 +9992,35 @@
               <a:rPr lang="ja-JP" altLang="en-US" dirty="0"/>
               <a:t>それでもダメなら，現状をノートにメモして，先生に相談する．</a:t>
             </a:r>
+          </a:p>
+        </p:txBody>
+      </p:sp>
+      <p:sp>
+        <p:nvSpPr>
+          <p:cNvPr id="2" name="日付プレースホルダー 1">
+            <a:extLst>
+              <a:ext uri="{FF2B5EF4-FFF2-40B4-BE49-F238E27FC236}">
+                <a16:creationId xmlns:a16="http://schemas.microsoft.com/office/drawing/2014/main" id="{C1928388-212B-4D35-8925-D213234ECFFB}"/>
+              </a:ext>
+            </a:extLst>
+          </p:cNvPr>
+          <p:cNvSpPr>
+            <a:spLocks noGrp="1"/>
+          </p:cNvSpPr>
+          <p:nvPr>
+            <p:ph type="dt" sz="half" idx="10"/>
+          </p:nvPr>
+        </p:nvSpPr>
+        <p:spPr/>
+        <p:txBody>
+          <a:bodyPr/>
+          <a:lstStyle/>
+          <a:p>
+            <a:r>
+              <a:rPr lang="en-US"/>
+              <a:t>7/22/2025</a:t>
+            </a:r>
+            <a:endParaRPr lang="en-US" dirty="0"/>
           </a:p>
         </p:txBody>
       </p:sp>
@@ -9787,14 +10091,14 @@
           <p:nvPr>
             <p:extLst>
               <p:ext uri="{D42A27DB-BD31-4B8C-83A1-F6EECF244321}">
-                <p14:modId xmlns:p14="http://schemas.microsoft.com/office/powerpoint/2010/main" val="1630631321"/>
+                <p14:modId xmlns:p14="http://schemas.microsoft.com/office/powerpoint/2010/main" val="3586075061"/>
               </p:ext>
             </p:extLst>
           </p:nvPr>
         </p:nvGraphicFramePr>
         <p:xfrm>
-          <a:off x="2440275" y="1259137"/>
-          <a:ext cx="5692200" cy="2625225"/>
+          <a:off x="2069291" y="1259137"/>
+          <a:ext cx="5491491" cy="2625225"/>
         </p:xfrm>
         <a:graphic>
           <a:graphicData uri="http://schemas.openxmlformats.org/drawingml/2006/table">
@@ -9817,7 +10121,7 @@
                     </a:ext>
                   </a:extLst>
                 </a:gridCol>
-                <a:gridCol w="3067250">
+                <a:gridCol w="2866541">
                   <a:extLst>
                     <a:ext uri="{9D8B030D-6E8A-4147-A177-3AD203B41FA5}">
                       <a16:colId xmlns:a16="http://schemas.microsoft.com/office/drawing/2014/main" val="20002"/>
@@ -9941,7 +10245,7 @@
                       </a:r>
                       <a:r>
                         <a:rPr lang="ja" sz="1600" dirty="0"/>
-                        <a:t>年生</a:t>
+                        <a:t>年</a:t>
                       </a:r>
                       <a:endParaRPr sz="1600" dirty="0"/>
                     </a:p>
@@ -9972,7 +10276,7 @@
                       </a:r>
                       <a:r>
                         <a:rPr lang="ja" sz="1600" dirty="0"/>
-                        <a:t>年生</a:t>
+                        <a:t>年</a:t>
                       </a:r>
                       <a:r>
                         <a:rPr lang="ja-JP" altLang="en-US" sz="1600" dirty="0"/>
@@ -10041,7 +10345,7 @@
                       </a:r>
                       <a:r>
                         <a:rPr lang="ja" sz="1600" dirty="0"/>
-                        <a:t>年生</a:t>
+                        <a:t>年</a:t>
                       </a:r>
                       <a:endParaRPr sz="1600" dirty="0"/>
                     </a:p>
@@ -10063,16 +10367,20 @@
                         <a:buNone/>
                       </a:pPr>
                       <a:r>
+                        <a:rPr lang="ja-JP" altLang="en-US" sz="1600" dirty="0"/>
+                        <a:t>修士１</a:t>
+                      </a:r>
+                      <a:r>
                         <a:rPr lang="ja" sz="1600" dirty="0"/>
-                        <a:t>大学院</a:t>
+                        <a:t>年</a:t>
                       </a:r>
                       <a:r>
                         <a:rPr lang="ja-JP" altLang="en-US" sz="1600" dirty="0"/>
-                        <a:t>１</a:t>
+                        <a:t>　</a:t>
                       </a:r>
                       <a:r>
                         <a:rPr lang="ja" sz="1600" dirty="0"/>
-                        <a:t>年生（修士論文研究）</a:t>
+                        <a:t>（修士論文研究）</a:t>
                       </a:r>
                       <a:endParaRPr sz="1600" dirty="0"/>
                     </a:p>
@@ -10133,7 +10441,7 @@
                       </a:r>
                       <a:r>
                         <a:rPr lang="ja" sz="1600" dirty="0"/>
-                        <a:t>年生</a:t>
+                        <a:t>年</a:t>
                       </a:r>
                       <a:endParaRPr sz="1600" dirty="0"/>
                     </a:p>
@@ -10155,16 +10463,20 @@
                         <a:buNone/>
                       </a:pPr>
                       <a:r>
+                        <a:rPr lang="ja-JP" altLang="en-US" sz="1600" dirty="0"/>
+                        <a:t>修士２</a:t>
+                      </a:r>
+                      <a:r>
                         <a:rPr lang="ja" sz="1600" dirty="0"/>
-                        <a:t>大学院</a:t>
+                        <a:t>年</a:t>
                       </a:r>
                       <a:r>
                         <a:rPr lang="ja-JP" altLang="en-US" sz="1600" dirty="0"/>
-                        <a:t>２</a:t>
+                        <a:t>　</a:t>
                       </a:r>
                       <a:r>
                         <a:rPr lang="ja" sz="1600" dirty="0"/>
-                        <a:t>年生（修士論文研究）</a:t>
+                        <a:t>（修士論文研究）</a:t>
                       </a:r>
                       <a:endParaRPr sz="1600" dirty="0"/>
                     </a:p>
@@ -10229,7 +10541,7 @@
                     <a:bodyPr/>
                     <a:lstStyle/>
                     <a:p>
-                      <a:pPr marL="0" lvl="0" indent="0" algn="ctr" rtl="0">
+                      <a:pPr marL="0" lvl="0" indent="0" algn="l" rtl="0">
                         <a:spcBef>
                           <a:spcPts val="0"/>
                         </a:spcBef>
@@ -10240,7 +10552,27 @@
                       </a:pPr>
                       <a:r>
                         <a:rPr lang="ja" sz="1600" dirty="0"/>
-                        <a:t>博士課程</a:t>
+                        <a:t>博士</a:t>
+                      </a:r>
+                      <a:r>
+                        <a:rPr lang="ja" altLang="en-US" sz="1600" dirty="0"/>
+                        <a:t>課程</a:t>
+                      </a:r>
+                      <a:r>
+                        <a:rPr lang="ja-JP" altLang="en-US" sz="1600" dirty="0"/>
+                        <a:t>　</a:t>
+                      </a:r>
+                      <a:r>
+                        <a:rPr lang="ja" altLang="en-US" sz="1600" dirty="0"/>
+                        <a:t>（</a:t>
+                      </a:r>
+                      <a:r>
+                        <a:rPr lang="ja-JP" altLang="en-US" sz="1600" dirty="0"/>
+                        <a:t>博士</a:t>
+                      </a:r>
+                      <a:r>
+                        <a:rPr lang="ja" altLang="en-US" sz="1600" dirty="0"/>
+                        <a:t>論文研究）</a:t>
                       </a:r>
                       <a:endParaRPr sz="1600" dirty="0"/>
                     </a:p>
@@ -10301,7 +10633,7 @@
                     <a:bodyPr/>
                     <a:lstStyle/>
                     <a:p>
-                      <a:pPr marL="0" lvl="0" indent="0" algn="ctr" rtl="0">
+                      <a:pPr marL="0" lvl="0" indent="0" algn="l" rtl="0">
                         <a:spcBef>
                           <a:spcPts val="0"/>
                         </a:spcBef>
@@ -10329,6 +10661,35 @@
           </a:graphicData>
         </a:graphic>
       </p:graphicFrame>
+      <p:sp>
+        <p:nvSpPr>
+          <p:cNvPr id="2" name="日付プレースホルダー 1">
+            <a:extLst>
+              <a:ext uri="{FF2B5EF4-FFF2-40B4-BE49-F238E27FC236}">
+                <a16:creationId xmlns:a16="http://schemas.microsoft.com/office/drawing/2014/main" id="{7B2A6CE2-E9E1-4257-BEDF-2B6405D10F44}"/>
+              </a:ext>
+            </a:extLst>
+          </p:cNvPr>
+          <p:cNvSpPr>
+            <a:spLocks noGrp="1"/>
+          </p:cNvSpPr>
+          <p:nvPr>
+            <p:ph type="dt" sz="half" idx="10"/>
+          </p:nvPr>
+        </p:nvSpPr>
+        <p:spPr/>
+        <p:txBody>
+          <a:bodyPr/>
+          <a:lstStyle/>
+          <a:p>
+            <a:r>
+              <a:rPr lang="en-US"/>
+              <a:t>7/22/2025</a:t>
+            </a:r>
+            <a:endParaRPr lang="en-US" dirty="0"/>
+          </a:p>
+        </p:txBody>
+      </p:sp>
     </p:spTree>
     <p:extLst>
       <p:ext uri="{BB962C8B-B14F-4D97-AF65-F5344CB8AC3E}">
@@ -10864,4 +11225,299 @@
   <a:objectDefaults/>
   <a:extraClrSchemeLst/>
 </a:theme>
+</file>
+
+<file path=ppt/theme/theme3.xml><?xml version="1.0" encoding="utf-8"?>
+<a:theme xmlns:a="http://schemas.openxmlformats.org/drawingml/2006/main" name="Office テーマ">
+  <a:themeElements>
+    <a:clrScheme name="Office">
+      <a:dk1>
+        <a:sysClr val="windowText" lastClr="000000"/>
+      </a:dk1>
+      <a:lt1>
+        <a:sysClr val="window" lastClr="FFFFFF"/>
+      </a:lt1>
+      <a:dk2>
+        <a:srgbClr val="44546A"/>
+      </a:dk2>
+      <a:lt2>
+        <a:srgbClr val="E7E6E6"/>
+      </a:lt2>
+      <a:accent1>
+        <a:srgbClr val="4472C4"/>
+      </a:accent1>
+      <a:accent2>
+        <a:srgbClr val="ED7D31"/>
+      </a:accent2>
+      <a:accent3>
+        <a:srgbClr val="A5A5A5"/>
+      </a:accent3>
+      <a:accent4>
+        <a:srgbClr val="FFC000"/>
+      </a:accent4>
+      <a:accent5>
+        <a:srgbClr val="5B9BD5"/>
+      </a:accent5>
+      <a:accent6>
+        <a:srgbClr val="70AD47"/>
+      </a:accent6>
+      <a:hlink>
+        <a:srgbClr val="0563C1"/>
+      </a:hlink>
+      <a:folHlink>
+        <a:srgbClr val="954F72"/>
+      </a:folHlink>
+    </a:clrScheme>
+    <a:fontScheme name="Office">
+      <a:majorFont>
+        <a:latin typeface="Calibri Light" panose="020F0302020204030204"/>
+        <a:ea typeface=""/>
+        <a:cs typeface=""/>
+        <a:font script="Jpan" typeface="游ゴシック Light"/>
+        <a:font script="Hang" typeface="맑은 고딕"/>
+        <a:font script="Hans" typeface="等线 Light"/>
+        <a:font script="Hant" typeface="新細明體"/>
+        <a:font script="Arab" typeface="Times New Roman"/>
+        <a:font script="Hebr" typeface="Times New Roman"/>
+        <a:font script="Thai" typeface="Angsana New"/>
+        <a:font script="Ethi" typeface="Nyala"/>
+        <a:font script="Beng" typeface="Vrinda"/>
+        <a:font script="Gujr" typeface="Shruti"/>
+        <a:font script="Khmr" typeface="MoolBoran"/>
+        <a:font script="Knda" typeface="Tunga"/>
+        <a:font script="Guru" typeface="Raavi"/>
+        <a:font script="Cans" typeface="Euphemia"/>
+        <a:font script="Cher" typeface="Plantagenet Cherokee"/>
+        <a:font script="Yiii" typeface="Microsoft Yi Baiti"/>
+        <a:font script="Tibt" typeface="Microsoft Himalaya"/>
+        <a:font script="Thaa" typeface="MV Boli"/>
+        <a:font script="Deva" typeface="Mangal"/>
+        <a:font script="Telu" typeface="Gautami"/>
+        <a:font script="Taml" typeface="Latha"/>
+        <a:font script="Syrc" typeface="Estrangelo Edessa"/>
+        <a:font script="Orya" typeface="Kalinga"/>
+        <a:font script="Mlym" typeface="Kartika"/>
+        <a:font script="Laoo" typeface="DokChampa"/>
+        <a:font script="Sinh" typeface="Iskoola Pota"/>
+        <a:font script="Mong" typeface="Mongolian Baiti"/>
+        <a:font script="Viet" typeface="Times New Roman"/>
+        <a:font script="Uigh" typeface="Microsoft Uighur"/>
+        <a:font script="Geor" typeface="Sylfaen"/>
+        <a:font script="Armn" typeface="Arial"/>
+        <a:font script="Bugi" typeface="Leelawadee UI"/>
+        <a:font script="Bopo" typeface="Microsoft JhengHei"/>
+        <a:font script="Java" typeface="Javanese Text"/>
+        <a:font script="Lisu" typeface="Segoe UI"/>
+        <a:font script="Mymr" typeface="Myanmar Text"/>
+        <a:font script="Nkoo" typeface="Ebrima"/>
+        <a:font script="Olck" typeface="Nirmala UI"/>
+        <a:font script="Osma" typeface="Ebrima"/>
+        <a:font script="Phag" typeface="Phagspa"/>
+        <a:font script="Syrn" typeface="Estrangelo Edessa"/>
+        <a:font script="Syrj" typeface="Estrangelo Edessa"/>
+        <a:font script="Syre" typeface="Estrangelo Edessa"/>
+        <a:font script="Sora" typeface="Nirmala UI"/>
+        <a:font script="Tale" typeface="Microsoft Tai Le"/>
+        <a:font script="Talu" typeface="Microsoft New Tai Lue"/>
+        <a:font script="Tfng" typeface="Ebrima"/>
+      </a:majorFont>
+      <a:minorFont>
+        <a:latin typeface="Calibri" panose="020F0502020204030204"/>
+        <a:ea typeface=""/>
+        <a:cs typeface=""/>
+        <a:font script="Jpan" typeface="游ゴシック"/>
+        <a:font script="Hang" typeface="맑은 고딕"/>
+        <a:font script="Hans" typeface="等线"/>
+        <a:font script="Hant" typeface="新細明體"/>
+        <a:font script="Arab" typeface="Arial"/>
+        <a:font script="Hebr" typeface="Arial"/>
+        <a:font script="Thai" typeface="Cordia New"/>
+        <a:font script="Ethi" typeface="Nyala"/>
+        <a:font script="Beng" typeface="Vrinda"/>
+        <a:font script="Gujr" typeface="Shruti"/>
+        <a:font script="Khmr" typeface="DaunPenh"/>
+        <a:font script="Knda" typeface="Tunga"/>
+        <a:font script="Guru" typeface="Raavi"/>
+        <a:font script="Cans" typeface="Euphemia"/>
+        <a:font script="Cher" typeface="Plantagenet Cherokee"/>
+        <a:font script="Yiii" typeface="Microsoft Yi Baiti"/>
+        <a:font script="Tibt" typeface="Microsoft Himalaya"/>
+        <a:font script="Thaa" typeface="MV Boli"/>
+        <a:font script="Deva" typeface="Mangal"/>
+        <a:font script="Telu" typeface="Gautami"/>
+        <a:font script="Taml" typeface="Latha"/>
+        <a:font script="Syrc" typeface="Estrangelo Edessa"/>
+        <a:font script="Orya" typeface="Kalinga"/>
+        <a:font script="Mlym" typeface="Kartika"/>
+        <a:font script="Laoo" typeface="DokChampa"/>
+        <a:font script="Sinh" typeface="Iskoola Pota"/>
+        <a:font script="Mong" typeface="Mongolian Baiti"/>
+        <a:font script="Viet" typeface="Arial"/>
+        <a:font script="Uigh" typeface="Microsoft Uighur"/>
+        <a:font script="Geor" typeface="Sylfaen"/>
+        <a:font script="Armn" typeface="Arial"/>
+        <a:font script="Bugi" typeface="Leelawadee UI"/>
+        <a:font script="Bopo" typeface="Microsoft JhengHei"/>
+        <a:font script="Java" typeface="Javanese Text"/>
+        <a:font script="Lisu" typeface="Segoe UI"/>
+        <a:font script="Mymr" typeface="Myanmar Text"/>
+        <a:font script="Nkoo" typeface="Ebrima"/>
+        <a:font script="Olck" typeface="Nirmala UI"/>
+        <a:font script="Osma" typeface="Ebrima"/>
+        <a:font script="Phag" typeface="Phagspa"/>
+        <a:font script="Syrn" typeface="Estrangelo Edessa"/>
+        <a:font script="Syrj" typeface="Estrangelo Edessa"/>
+        <a:font script="Syre" typeface="Estrangelo Edessa"/>
+        <a:font script="Sora" typeface="Nirmala UI"/>
+        <a:font script="Tale" typeface="Microsoft Tai Le"/>
+        <a:font script="Talu" typeface="Microsoft New Tai Lue"/>
+        <a:font script="Tfng" typeface="Ebrima"/>
+      </a:minorFont>
+    </a:fontScheme>
+    <a:fmtScheme name="Office">
+      <a:fillStyleLst>
+        <a:solidFill>
+          <a:schemeClr val="phClr"/>
+        </a:solidFill>
+        <a:gradFill rotWithShape="1">
+          <a:gsLst>
+            <a:gs pos="0">
+              <a:schemeClr val="phClr">
+                <a:lumMod val="110000"/>
+                <a:satMod val="105000"/>
+                <a:tint val="67000"/>
+              </a:schemeClr>
+            </a:gs>
+            <a:gs pos="50000">
+              <a:schemeClr val="phClr">
+                <a:lumMod val="105000"/>
+                <a:satMod val="103000"/>
+                <a:tint val="73000"/>
+              </a:schemeClr>
+            </a:gs>
+            <a:gs pos="100000">
+              <a:schemeClr val="phClr">
+                <a:lumMod val="105000"/>
+                <a:satMod val="109000"/>
+                <a:tint val="81000"/>
+              </a:schemeClr>
+            </a:gs>
+          </a:gsLst>
+          <a:lin ang="5400000" scaled="0"/>
+        </a:gradFill>
+        <a:gradFill rotWithShape="1">
+          <a:gsLst>
+            <a:gs pos="0">
+              <a:schemeClr val="phClr">
+                <a:satMod val="103000"/>
+                <a:lumMod val="102000"/>
+                <a:tint val="94000"/>
+              </a:schemeClr>
+            </a:gs>
+            <a:gs pos="50000">
+              <a:schemeClr val="phClr">
+                <a:satMod val="110000"/>
+                <a:lumMod val="100000"/>
+                <a:shade val="100000"/>
+              </a:schemeClr>
+            </a:gs>
+            <a:gs pos="100000">
+              <a:schemeClr val="phClr">
+                <a:lumMod val="99000"/>
+                <a:satMod val="120000"/>
+                <a:shade val="78000"/>
+              </a:schemeClr>
+            </a:gs>
+          </a:gsLst>
+          <a:lin ang="5400000" scaled="0"/>
+        </a:gradFill>
+      </a:fillStyleLst>
+      <a:lnStyleLst>
+        <a:ln w="6350" cap="flat" cmpd="sng" algn="ctr">
+          <a:solidFill>
+            <a:schemeClr val="phClr"/>
+          </a:solidFill>
+          <a:prstDash val="solid"/>
+          <a:miter lim="800000"/>
+        </a:ln>
+        <a:ln w="12700" cap="flat" cmpd="sng" algn="ctr">
+          <a:solidFill>
+            <a:schemeClr val="phClr"/>
+          </a:solidFill>
+          <a:prstDash val="solid"/>
+          <a:miter lim="800000"/>
+        </a:ln>
+        <a:ln w="19050" cap="flat" cmpd="sng" algn="ctr">
+          <a:solidFill>
+            <a:schemeClr val="phClr"/>
+          </a:solidFill>
+          <a:prstDash val="solid"/>
+          <a:miter lim="800000"/>
+        </a:ln>
+      </a:lnStyleLst>
+      <a:effectStyleLst>
+        <a:effectStyle>
+          <a:effectLst/>
+        </a:effectStyle>
+        <a:effectStyle>
+          <a:effectLst/>
+        </a:effectStyle>
+        <a:effectStyle>
+          <a:effectLst>
+            <a:outerShdw blurRad="57150" dist="19050" dir="5400000" algn="ctr" rotWithShape="0">
+              <a:srgbClr val="000000">
+                <a:alpha val="63000"/>
+              </a:srgbClr>
+            </a:outerShdw>
+          </a:effectLst>
+        </a:effectStyle>
+      </a:effectStyleLst>
+      <a:bgFillStyleLst>
+        <a:solidFill>
+          <a:schemeClr val="phClr"/>
+        </a:solidFill>
+        <a:solidFill>
+          <a:schemeClr val="phClr">
+            <a:tint val="95000"/>
+            <a:satMod val="170000"/>
+          </a:schemeClr>
+        </a:solidFill>
+        <a:gradFill rotWithShape="1">
+          <a:gsLst>
+            <a:gs pos="0">
+              <a:schemeClr val="phClr">
+                <a:tint val="93000"/>
+                <a:satMod val="150000"/>
+                <a:shade val="98000"/>
+                <a:lumMod val="102000"/>
+              </a:schemeClr>
+            </a:gs>
+            <a:gs pos="50000">
+              <a:schemeClr val="phClr">
+                <a:tint val="98000"/>
+                <a:satMod val="130000"/>
+                <a:shade val="90000"/>
+                <a:lumMod val="103000"/>
+              </a:schemeClr>
+            </a:gs>
+            <a:gs pos="100000">
+              <a:schemeClr val="phClr">
+                <a:shade val="63000"/>
+                <a:satMod val="120000"/>
+              </a:schemeClr>
+            </a:gs>
+          </a:gsLst>
+          <a:lin ang="5400000" scaled="0"/>
+        </a:gradFill>
+      </a:bgFillStyleLst>
+    </a:fmtScheme>
+  </a:themeElements>
+  <a:objectDefaults/>
+  <a:extraClrSchemeLst/>
+  <a:extLst>
+    <a:ext uri="{05A4C25C-085E-4340-85A3-A5531E510DB2}">
+      <thm15:themeFamily xmlns:thm15="http://schemas.microsoft.com/office/thememl/2012/main" name="Office Theme" id="{62F939B6-93AF-4DB8-9C6B-D6C7DFDC589F}" vid="{4A3C46E8-61CC-4603-A589-7422A47A8E4A}"/>
+    </a:ext>
+  </a:extLst>
+</a:theme>
 </file>